--- a/meetings/week 6 Meeting.pptx
+++ b/meetings/week 6 Meeting.pptx
@@ -143,6 +143,30 @@
             <ac:spMk id="3" creationId="{29796D7D-3175-4BB8-9B63-55C81B20C750}"/>
           </ac:spMkLst>
         </pc:spChg>
+      </pc:sldChg>
+    </pc:docChg>
+  </pc:docChgLst>
+  <pc:docChgLst>
+    <pc:chgData name="toby lee" userId="c2b0b406bfa6151f" providerId="LiveId" clId="{3F239A7A-E73E-47C7-873C-C4CD7A0F8320}"/>
+    <pc:docChg chg="modSld">
+      <pc:chgData name="toby lee" userId="c2b0b406bfa6151f" providerId="LiveId" clId="{3F239A7A-E73E-47C7-873C-C4CD7A0F8320}" dt="2022-04-08T03:20:10.388" v="2" actId="1076"/>
+      <pc:docMkLst>
+        <pc:docMk/>
+      </pc:docMkLst>
+      <pc:sldChg chg="modSp mod">
+        <pc:chgData name="toby lee" userId="c2b0b406bfa6151f" providerId="LiveId" clId="{3F239A7A-E73E-47C7-873C-C4CD7A0F8320}" dt="2022-04-08T03:20:10.388" v="2" actId="1076"/>
+        <pc:sldMkLst>
+          <pc:docMk/>
+          <pc:sldMk cId="3273096102" sldId="267"/>
+        </pc:sldMkLst>
+        <pc:picChg chg="mod">
+          <ac:chgData name="toby lee" userId="c2b0b406bfa6151f" providerId="LiveId" clId="{3F239A7A-E73E-47C7-873C-C4CD7A0F8320}" dt="2022-04-08T03:20:10.388" v="2" actId="1076"/>
+          <ac:picMkLst>
+            <pc:docMk/>
+            <pc:sldMk cId="3273096102" sldId="267"/>
+            <ac:picMk id="5" creationId="{06F000BF-58C5-4A4A-9CDE-4EC30E324049}"/>
+          </ac:picMkLst>
+        </pc:picChg>
       </pc:sldChg>
     </pc:docChg>
   </pc:docChgLst>
@@ -1063,7 +1087,7 @@
           <a:p>
             <a:fld id="{ED291B17-9318-49DB-B28B-6E5994AE9581}" type="datetime1">
               <a:rPr lang="en-US" smtClean="0"/>
-              <a:t>12/11/2021</a:t>
+              <a:t>4/8/2022</a:t>
             </a:fld>
             <a:endParaRPr lang="en-US" dirty="0"/>
           </a:p>
@@ -1266,7 +1290,7 @@
           <a:p>
             <a:fld id="{2CED4963-E985-44C4-B8C4-FDD613B7C2F8}" type="datetime1">
               <a:rPr lang="en-US" smtClean="0"/>
-              <a:t>12/11/2021</a:t>
+              <a:t>4/8/2022</a:t>
             </a:fld>
             <a:endParaRPr lang="en-US" dirty="0"/>
           </a:p>
@@ -1628,7 +1652,7 @@
           <a:p>
             <a:fld id="{ED291B17-9318-49DB-B28B-6E5994AE9581}" type="datetime1">
               <a:rPr lang="en-US" smtClean="0"/>
-              <a:t>12/11/2021</a:t>
+              <a:t>4/8/2022</a:t>
             </a:fld>
             <a:endParaRPr lang="en-US" dirty="0"/>
           </a:p>
@@ -1826,7 +1850,7 @@
           <a:p>
             <a:fld id="{78DD82B9-B8EE-4375-B6FF-88FA6ABB15D9}" type="datetime1">
               <a:rPr lang="en-US" smtClean="0"/>
-              <a:t>12/11/2021</a:t>
+              <a:t>4/8/2022</a:t>
             </a:fld>
             <a:endParaRPr lang="en-US" dirty="0"/>
           </a:p>
@@ -2138,7 +2162,7 @@
           <a:p>
             <a:fld id="{B2497495-0637-405E-AE64-5CC7506D51F5}" type="datetime1">
               <a:rPr lang="en-US" smtClean="0"/>
-              <a:t>12/11/2021</a:t>
+              <a:t>4/8/2022</a:t>
             </a:fld>
             <a:endParaRPr lang="en-US" dirty="0"/>
           </a:p>
@@ -2391,7 +2415,7 @@
           <a:p>
             <a:fld id="{7BFFD690-9426-415D-8B65-26881E07B2D4}" type="datetime1">
               <a:rPr lang="en-US" smtClean="0"/>
-              <a:t>12/11/2021</a:t>
+              <a:t>4/8/2022</a:t>
             </a:fld>
             <a:endParaRPr lang="en-US" dirty="0"/>
           </a:p>
@@ -2813,7 +2837,7 @@
           <a:p>
             <a:fld id="{04C4989A-474C-40DE-95B9-011C28B71673}" type="datetime1">
               <a:rPr lang="en-US" smtClean="0"/>
-              <a:t>12/11/2021</a:t>
+              <a:t>4/8/2022</a:t>
             </a:fld>
             <a:endParaRPr lang="en-US" dirty="0"/>
           </a:p>
@@ -2936,7 +2960,7 @@
           <a:p>
             <a:fld id="{5DB4ED54-5B5E-4A04-93D3-5772E3CE3818}" type="datetime1">
               <a:rPr lang="en-US" smtClean="0"/>
-              <a:t>12/11/2021</a:t>
+              <a:t>4/8/2022</a:t>
             </a:fld>
             <a:endParaRPr lang="en-US" dirty="0"/>
           </a:p>
@@ -3031,7 +3055,7 @@
           <a:p>
             <a:fld id="{4EDE50D6-574B-40AF-946F-D52A04ADE379}" type="datetime1">
               <a:rPr lang="en-US" smtClean="0"/>
-              <a:t>12/11/2021</a:t>
+              <a:t>4/8/2022</a:t>
             </a:fld>
             <a:endParaRPr lang="en-US" dirty="0"/>
           </a:p>
@@ -3408,7 +3432,7 @@
           <a:p>
             <a:fld id="{D82884F1-FFEA-405F-9602-3DCA865EDA4E}" type="datetime1">
               <a:rPr lang="en-US" smtClean="0"/>
-              <a:t>12/11/2021</a:t>
+              <a:t>4/8/2022</a:t>
             </a:fld>
             <a:endParaRPr lang="en-US" dirty="0"/>
           </a:p>
@@ -3701,7 +3725,7 @@
           <a:p>
             <a:fld id="{7E18DB4A-8810-4A10-AD5C-D5E2C667F5B3}" type="datetime1">
               <a:rPr lang="en-US" smtClean="0"/>
-              <a:t>12/11/2021</a:t>
+              <a:t>4/8/2022</a:t>
             </a:fld>
             <a:endParaRPr lang="en-US" dirty="0"/>
           </a:p>
@@ -3916,7 +3940,7 @@
           <a:p>
             <a:fld id="{ED291B17-9318-49DB-B28B-6E5994AE9581}" type="datetime1">
               <a:rPr lang="en-US" smtClean="0"/>
-              <a:t>12/11/2021</a:t>
+              <a:t>4/8/2022</a:t>
             </a:fld>
             <a:endParaRPr lang="en-US" dirty="0"/>
           </a:p>
@@ -5468,8 +5492,8 @@
         </p:blipFill>
         <p:spPr>
           <a:xfrm>
-            <a:off x="4304644" y="702156"/>
-            <a:ext cx="5046352" cy="6026727"/>
+            <a:off x="8922584" y="3006520"/>
+            <a:ext cx="3043260" cy="3634486"/>
           </a:xfrm>
           <a:prstGeom prst="rect">
             <a:avLst/>
